--- a/텐서-window.pptx
+++ b/텐서-window.pptx
@@ -259,7 +259,7 @@
           <a:p>
             <a:fld id="{20CE1971-CCB0-423D-A9E0-64FFEEA0707C}" type="datetimeFigureOut">
               <a:rPr lang="ko-KR" altLang="en-US" smtClean="0"/>
-              <a:t>2019-11-13</a:t>
+              <a:t>2019-11-14</a:t>
             </a:fld>
             <a:endParaRPr lang="ko-KR" altLang="en-US"/>
           </a:p>
@@ -429,7 +429,7 @@
           <a:p>
             <a:fld id="{20CE1971-CCB0-423D-A9E0-64FFEEA0707C}" type="datetimeFigureOut">
               <a:rPr lang="ko-KR" altLang="en-US" smtClean="0"/>
-              <a:t>2019-11-13</a:t>
+              <a:t>2019-11-14</a:t>
             </a:fld>
             <a:endParaRPr lang="ko-KR" altLang="en-US"/>
           </a:p>
@@ -609,7 +609,7 @@
           <a:p>
             <a:fld id="{20CE1971-CCB0-423D-A9E0-64FFEEA0707C}" type="datetimeFigureOut">
               <a:rPr lang="ko-KR" altLang="en-US" smtClean="0"/>
-              <a:t>2019-11-13</a:t>
+              <a:t>2019-11-14</a:t>
             </a:fld>
             <a:endParaRPr lang="ko-KR" altLang="en-US"/>
           </a:p>
@@ -779,7 +779,7 @@
           <a:p>
             <a:fld id="{20CE1971-CCB0-423D-A9E0-64FFEEA0707C}" type="datetimeFigureOut">
               <a:rPr lang="ko-KR" altLang="en-US" smtClean="0"/>
-              <a:t>2019-11-13</a:t>
+              <a:t>2019-11-14</a:t>
             </a:fld>
             <a:endParaRPr lang="ko-KR" altLang="en-US"/>
           </a:p>
@@ -1025,7 +1025,7 @@
           <a:p>
             <a:fld id="{20CE1971-CCB0-423D-A9E0-64FFEEA0707C}" type="datetimeFigureOut">
               <a:rPr lang="ko-KR" altLang="en-US" smtClean="0"/>
-              <a:t>2019-11-13</a:t>
+              <a:t>2019-11-14</a:t>
             </a:fld>
             <a:endParaRPr lang="ko-KR" altLang="en-US"/>
           </a:p>
@@ -1257,7 +1257,7 @@
           <a:p>
             <a:fld id="{20CE1971-CCB0-423D-A9E0-64FFEEA0707C}" type="datetimeFigureOut">
               <a:rPr lang="ko-KR" altLang="en-US" smtClean="0"/>
-              <a:t>2019-11-13</a:t>
+              <a:t>2019-11-14</a:t>
             </a:fld>
             <a:endParaRPr lang="ko-KR" altLang="en-US"/>
           </a:p>
@@ -1624,7 +1624,7 @@
           <a:p>
             <a:fld id="{20CE1971-CCB0-423D-A9E0-64FFEEA0707C}" type="datetimeFigureOut">
               <a:rPr lang="ko-KR" altLang="en-US" smtClean="0"/>
-              <a:t>2019-11-13</a:t>
+              <a:t>2019-11-14</a:t>
             </a:fld>
             <a:endParaRPr lang="ko-KR" altLang="en-US"/>
           </a:p>
@@ -1742,7 +1742,7 @@
           <a:p>
             <a:fld id="{20CE1971-CCB0-423D-A9E0-64FFEEA0707C}" type="datetimeFigureOut">
               <a:rPr lang="ko-KR" altLang="en-US" smtClean="0"/>
-              <a:t>2019-11-13</a:t>
+              <a:t>2019-11-14</a:t>
             </a:fld>
             <a:endParaRPr lang="ko-KR" altLang="en-US"/>
           </a:p>
@@ -1837,7 +1837,7 @@
           <a:p>
             <a:fld id="{20CE1971-CCB0-423D-A9E0-64FFEEA0707C}" type="datetimeFigureOut">
               <a:rPr lang="ko-KR" altLang="en-US" smtClean="0"/>
-              <a:t>2019-11-13</a:t>
+              <a:t>2019-11-14</a:t>
             </a:fld>
             <a:endParaRPr lang="ko-KR" altLang="en-US"/>
           </a:p>
@@ -2114,7 +2114,7 @@
           <a:p>
             <a:fld id="{20CE1971-CCB0-423D-A9E0-64FFEEA0707C}" type="datetimeFigureOut">
               <a:rPr lang="ko-KR" altLang="en-US" smtClean="0"/>
-              <a:t>2019-11-13</a:t>
+              <a:t>2019-11-14</a:t>
             </a:fld>
             <a:endParaRPr lang="ko-KR" altLang="en-US"/>
           </a:p>
@@ -2367,7 +2367,7 @@
           <a:p>
             <a:fld id="{20CE1971-CCB0-423D-A9E0-64FFEEA0707C}" type="datetimeFigureOut">
               <a:rPr lang="ko-KR" altLang="en-US" smtClean="0"/>
-              <a:t>2019-11-13</a:t>
+              <a:t>2019-11-14</a:t>
             </a:fld>
             <a:endParaRPr lang="ko-KR" altLang="en-US"/>
           </a:p>
@@ -2580,7 +2580,7 @@
           <a:p>
             <a:fld id="{20CE1971-CCB0-423D-A9E0-64FFEEA0707C}" type="datetimeFigureOut">
               <a:rPr lang="ko-KR" altLang="en-US" smtClean="0"/>
-              <a:t>2019-11-13</a:t>
+              <a:t>2019-11-14</a:t>
             </a:fld>
             <a:endParaRPr lang="ko-KR" altLang="en-US"/>
           </a:p>
@@ -6032,7 +6032,7 @@
         <p:spPr/>
         <p:txBody>
           <a:bodyPr>
-            <a:normAutofit fontScale="70000" lnSpcReduction="20000"/>
+            <a:normAutofit fontScale="55000" lnSpcReduction="20000"/>
           </a:bodyPr>
           <a:lstStyle/>
           <a:p>
@@ -6273,11 +6273,7 @@
             </a:r>
             <a:r>
               <a:rPr lang="en-US" altLang="ko-KR" dirty="0" smtClean="0"/>
-              <a:t>\</a:t>
-            </a:r>
-            <a:r>
-              <a:rPr lang="en-US" altLang="ko-KR" dirty="0" smtClean="0"/>
-              <a:t>Anaconda3\</a:t>
+              <a:t>\Anaconda3\</a:t>
             </a:r>
             <a:r>
               <a:rPr lang="en-US" altLang="ko-KR" dirty="0" err="1" smtClean="0"/>
@@ -6382,6 +6378,66 @@
               <a:rPr lang="en-US" altLang="ko-KR" dirty="0" smtClean="0"/>
               <a:t>.</a:t>
             </a:r>
+          </a:p>
+          <a:p>
+            <a:pPr>
+              <a:lnSpc>
+                <a:spcPct val="120000"/>
+              </a:lnSpc>
+            </a:pPr>
+            <a:r>
+              <a:rPr lang="ko-KR" altLang="en-US" dirty="0" smtClean="0"/>
+              <a:t>프로젝트 생성시 초기 설정에서 </a:t>
+            </a:r>
+            <a:r>
+              <a:rPr lang="en-US" altLang="ko-KR" dirty="0" smtClean="0"/>
+              <a:t>interpreter </a:t>
+            </a:r>
+            <a:r>
+              <a:rPr lang="ko-KR" altLang="en-US" dirty="0" smtClean="0"/>
+              <a:t>는 </a:t>
+            </a:r>
+            <a:r>
+              <a:rPr lang="en-US" altLang="ko-KR" dirty="0" err="1" smtClean="0"/>
+              <a:t>conda</a:t>
+            </a:r>
+            <a:r>
+              <a:rPr lang="en-US" altLang="ko-KR" dirty="0" smtClean="0"/>
+              <a:t> </a:t>
+            </a:r>
+            <a:r>
+              <a:rPr lang="ko-KR" altLang="en-US" dirty="0" err="1" smtClean="0"/>
+              <a:t>선택시</a:t>
+            </a:r>
+            <a:r>
+              <a:rPr lang="ko-KR" altLang="en-US" dirty="0" smtClean="0"/>
+              <a:t> </a:t>
+            </a:r>
+            <a:r>
+              <a:rPr lang="en-US" altLang="ko-KR" dirty="0" err="1" smtClean="0"/>
+              <a:t>conda</a:t>
+            </a:r>
+            <a:r>
+              <a:rPr lang="en-US" altLang="ko-KR" dirty="0" smtClean="0"/>
+              <a:t> </a:t>
+            </a:r>
+            <a:r>
+              <a:rPr lang="ko-KR" altLang="en-US" dirty="0" smtClean="0"/>
+              <a:t>가상환경 내의 </a:t>
+            </a:r>
+            <a:r>
+              <a:rPr lang="en-US" altLang="ko-KR" dirty="0" smtClean="0"/>
+              <a:t>python.exe </a:t>
+            </a:r>
+            <a:r>
+              <a:rPr lang="ko-KR" altLang="en-US" dirty="0" smtClean="0"/>
+              <a:t>를 선택해 준다</a:t>
+            </a:r>
+            <a:r>
+              <a:rPr lang="en-US" altLang="ko-KR" smtClean="0"/>
+              <a:t>.</a:t>
+            </a:r>
+            <a:endParaRPr lang="en-US" altLang="ko-KR" dirty="0" smtClean="0"/>
           </a:p>
         </p:txBody>
       </p:sp>
@@ -6505,7 +6561,15 @@
             </a:r>
             <a:r>
               <a:rPr lang="ko-KR" altLang="en-US" dirty="0" smtClean="0"/>
-              <a:t>는</a:t>
+              <a:t>는 </a:t>
+            </a:r>
+            <a:r>
+              <a:rPr lang="ko-KR" altLang="en-US" dirty="0" err="1" smtClean="0"/>
+              <a:t>개발시</a:t>
+            </a:r>
+            <a:r>
+              <a:rPr lang="ko-KR" altLang="en-US" dirty="0" smtClean="0"/>
+              <a:t> 임의대로 설정</a:t>
             </a:r>
             <a:endParaRPr lang="en-US" altLang="ko-KR" dirty="0" smtClean="0"/>
           </a:p>
@@ -6557,7 +6621,7 @@
           </a:p>
           <a:p>
             <a:r>
-              <a:rPr lang="ko-KR" altLang="en-US" smtClean="0"/>
+              <a:rPr lang="ko-KR" altLang="en-US" dirty="0" smtClean="0"/>
               <a:t>앱 생성</a:t>
             </a:r>
             <a:endParaRPr lang="en-US" altLang="ko-KR" dirty="0" smtClean="0"/>
